--- a/Portfolio/ML/Classification Models/NextRay/NetworkTraffic.pptx
+++ b/Portfolio/ML/Classification Models/NextRay/NetworkTraffic.pptx
@@ -9,10 +9,19 @@
     <p:sldId id="259" r:id="rId4"/>
     <p:sldId id="258" r:id="rId5"/>
     <p:sldId id="260" r:id="rId6"/>
-    <p:sldId id="263" r:id="rId7"/>
-    <p:sldId id="264" r:id="rId8"/>
-    <p:sldId id="262" r:id="rId9"/>
-    <p:sldId id="265" r:id="rId10"/>
+    <p:sldId id="274" r:id="rId7"/>
+    <p:sldId id="267" r:id="rId8"/>
+    <p:sldId id="263" r:id="rId9"/>
+    <p:sldId id="264" r:id="rId10"/>
+    <p:sldId id="262" r:id="rId11"/>
+    <p:sldId id="265" r:id="rId12"/>
+    <p:sldId id="268" r:id="rId13"/>
+    <p:sldId id="269" r:id="rId14"/>
+    <p:sldId id="270" r:id="rId15"/>
+    <p:sldId id="275" r:id="rId16"/>
+    <p:sldId id="271" r:id="rId17"/>
+    <p:sldId id="272" r:id="rId18"/>
+    <p:sldId id="273" r:id="rId19"/>
   </p:sldIdLst>
   <p:sldSz cx="12192000" cy="6858000"/>
   <p:notesSz cx="6858000" cy="9144000"/>
@@ -3146,10 +3155,858 @@
           <a:bodyPr/>
           <a:lstStyle/>
           <a:p>
-            <a:endParaRPr lang="en-US" dirty="0"/>
-          </a:p>
-        </p:txBody>
-      </p:sp>
+            <a:r>
+              <a:rPr lang="tr-TR" altLang="en-US" dirty="0"/>
+              <a:t>Hazırlayan : Kenan FIRAT</a:t>
+            </a:r>
+            <a:endParaRPr lang="tr-TR" altLang="en-US" dirty="0"/>
+          </a:p>
+        </p:txBody>
+      </p:sp>
+    </p:spTree>
+  </p:cSld>
+  <p:clrMapOvr>
+    <a:masterClrMapping/>
+  </p:clrMapOvr>
+</p:sld>
+</file>
+
+<file path=ppt/slides/slide10.xml><?xml version="1.0" encoding="utf-8"?>
+<p:sld xmlns:a="http://schemas.openxmlformats.org/drawingml/2006/main" xmlns:r="http://schemas.openxmlformats.org/officeDocument/2006/relationships" xmlns:p="http://schemas.openxmlformats.org/presentationml/2006/main">
+  <p:cSld>
+    <p:spTree>
+      <p:nvGrpSpPr>
+        <p:cNvPr id="1" name=""/>
+        <p:cNvGrpSpPr/>
+        <p:nvPr/>
+      </p:nvGrpSpPr>
+      <p:grpSpPr/>
+      <p:sp>
+        <p:nvSpPr>
+          <p:cNvPr id="4" name="Title 3"/>
+          <p:cNvSpPr>
+            <a:spLocks noGrp="1"/>
+          </p:cNvSpPr>
+          <p:nvPr>
+            <p:ph type="title"/>
+          </p:nvPr>
+        </p:nvSpPr>
+        <p:spPr/>
+        <p:txBody>
+          <a:bodyPr>
+            <a:normAutofit fontScale="90000"/>
+          </a:bodyPr>
+          <a:p>
+            <a:pPr algn="ctr"/>
+            <a:r>
+              <a:rPr lang="en-US">
+                <a:solidFill>
+                  <a:schemeClr val="tx1"/>
+                </a:solidFill>
+                <a:highlight>
+                  <a:srgbClr val="FF0000"/>
+                </a:highlight>
+              </a:rPr>
+              <a:t>‘LOGIN FAIL’</a:t>
+            </a:r>
+            <a:r>
+              <a:rPr lang="en-US"/>
+              <a:t> OLAN </a:t>
+            </a:r>
+            <a:br>
+              <a:rPr lang="en-US"/>
+            </a:br>
+            <a:r>
+              <a:rPr lang="tr-TR" altLang="en-US"/>
+              <a:t>(</a:t>
+            </a:r>
+            <a:r>
+              <a:rPr lang="en-US" i="1" u="sng"/>
+              <a:t>KAYNAK</a:t>
+            </a:r>
+            <a:r>
+              <a:rPr lang="tr-TR" altLang="en-US" i="1" u="sng"/>
+              <a:t>’tan --&gt;&gt;&gt;</a:t>
+            </a:r>
+            <a:r>
+              <a:rPr lang="en-US" i="1" u="sng"/>
+              <a:t> HEDEF</a:t>
+            </a:r>
+            <a:r>
+              <a:rPr lang="tr-TR" altLang="en-US" i="1" u="sng"/>
+              <a:t>’e</a:t>
+            </a:r>
+            <a:r>
+              <a:rPr lang="tr-TR" altLang="en-US"/>
+              <a:t>)</a:t>
+            </a:r>
+            <a:r>
+              <a:rPr lang="en-US"/>
+              <a:t> ADRESLER’in</a:t>
+            </a:r>
+            <a:br>
+              <a:rPr lang="en-US"/>
+            </a:br>
+            <a:r>
+              <a:rPr lang="tr-TR"/>
+              <a:t>DAKİKA’ya BAĞLI ANALİZİ</a:t>
+            </a:r>
+            <a:endParaRPr lang="tr-TR"/>
+          </a:p>
+        </p:txBody>
+      </p:sp>
+      <p:pic>
+        <p:nvPicPr>
+          <p:cNvPr id="5" name="Picture 4" descr="source_dest_login_Fail_byminutes"/>
+          <p:cNvPicPr>
+            <a:picLocks noChangeAspect="1"/>
+          </p:cNvPicPr>
+          <p:nvPr/>
+        </p:nvPicPr>
+        <p:blipFill>
+          <a:blip r:embed="rId1"/>
+          <a:stretch>
+            <a:fillRect/>
+          </a:stretch>
+        </p:blipFill>
+        <p:spPr>
+          <a:xfrm>
+            <a:off x="3815715" y="2154555"/>
+            <a:ext cx="7196455" cy="3688080"/>
+          </a:xfrm>
+          <a:prstGeom prst="rect">
+            <a:avLst/>
+          </a:prstGeom>
+        </p:spPr>
+      </p:pic>
+      <p:sp>
+        <p:nvSpPr>
+          <p:cNvPr id="2" name="Text Box 1"/>
+          <p:cNvSpPr txBox="1"/>
+          <p:nvPr/>
+        </p:nvSpPr>
+        <p:spPr>
+          <a:xfrm flipH="1">
+            <a:off x="787400" y="2154555"/>
+            <a:ext cx="2682875" cy="3435985"/>
+          </a:xfrm>
+          <a:prstGeom prst="rect">
+            <a:avLst/>
+          </a:prstGeom>
+          <a:noFill/>
+        </p:spPr>
+        <p:txBody>
+          <a:bodyPr wrap="square" rtlCol="0">
+            <a:noAutofit/>
+          </a:bodyPr>
+          <a:p>
+            <a:pPr marL="285750" indent="-285750">
+              <a:buFont typeface="Arial" panose="020B0604020202020204" pitchFamily="34" charset="0"/>
+              <a:buChar char="•"/>
+            </a:pPr>
+            <a:r>
+              <a:rPr lang="tr-TR" altLang="en-US"/>
+              <a:t>Dakika sütunu olayın gerçekleştiği dakikayı belirtmektedir</a:t>
+            </a:r>
+            <a:endParaRPr lang="en-US"/>
+          </a:p>
+          <a:p>
+            <a:pPr marL="285750" indent="-285750">
+              <a:buFont typeface="Arial" panose="020B0604020202020204" pitchFamily="34" charset="0"/>
+              <a:buChar char="•"/>
+            </a:pPr>
+            <a:endParaRPr lang="en-US"/>
+          </a:p>
+          <a:p>
+            <a:pPr marL="285750" indent="-285750">
+              <a:buFont typeface="Arial" panose="020B0604020202020204" pitchFamily="34" charset="0"/>
+              <a:buChar char="•"/>
+            </a:pPr>
+            <a:r>
+              <a:rPr lang="en-US"/>
+              <a:t>Bu anal</a:t>
+            </a:r>
+            <a:r>
+              <a:rPr lang="tr-TR" altLang="en-US"/>
+              <a:t>i</a:t>
+            </a:r>
+            <a:r>
+              <a:rPr lang="en-US"/>
+              <a:t>z Brute Force sald</a:t>
+            </a:r>
+            <a:r>
+              <a:rPr lang="tr-TR"/>
+              <a:t>ırılarının yanı sıra Port Scan için de izlenim sağlayabilir.</a:t>
+            </a:r>
+            <a:endParaRPr lang="tr-TR"/>
+          </a:p>
+          <a:p>
+            <a:pPr marL="285750" indent="-285750">
+              <a:buFont typeface="Arial" panose="020B0604020202020204" pitchFamily="34" charset="0"/>
+              <a:buChar char="•"/>
+            </a:pPr>
+            <a:endParaRPr lang="tr-TR"/>
+          </a:p>
+          <a:p>
+            <a:pPr marL="285750" indent="-285750">
+              <a:buFont typeface="Arial" panose="020B0604020202020204" pitchFamily="34" charset="0"/>
+              <a:buChar char="•"/>
+            </a:pPr>
+            <a:r>
+              <a:rPr lang="tr-TR"/>
+              <a:t>Burada en çok gözlem sayısı olan ilk 10 veri ele alınmıştır.</a:t>
+            </a:r>
+            <a:endParaRPr lang="tr-TR"/>
+          </a:p>
+        </p:txBody>
+      </p:sp>
+    </p:spTree>
+  </p:cSld>
+  <p:clrMapOvr>
+    <a:masterClrMapping/>
+  </p:clrMapOvr>
+</p:sld>
+</file>
+
+<file path=ppt/slides/slide11.xml><?xml version="1.0" encoding="utf-8"?>
+<p:sld xmlns:a="http://schemas.openxmlformats.org/drawingml/2006/main" xmlns:r="http://schemas.openxmlformats.org/officeDocument/2006/relationships" xmlns:p="http://schemas.openxmlformats.org/presentationml/2006/main">
+  <p:cSld>
+    <p:spTree>
+      <p:nvGrpSpPr>
+        <p:cNvPr id="1" name=""/>
+        <p:cNvGrpSpPr/>
+        <p:nvPr/>
+      </p:nvGrpSpPr>
+      <p:grpSpPr/>
+      <p:sp>
+        <p:nvSpPr>
+          <p:cNvPr id="2" name="Title 1"/>
+          <p:cNvSpPr>
+            <a:spLocks noGrp="1"/>
+          </p:cNvSpPr>
+          <p:nvPr>
+            <p:ph type="title"/>
+          </p:nvPr>
+        </p:nvSpPr>
+        <p:spPr/>
+        <p:txBody>
+          <a:bodyPr/>
+          <a:p>
+            <a:pPr algn="ctr"/>
+            <a:r>
+              <a:rPr lang="tr-TR" altLang="en-US"/>
+              <a:t>Etkileşimli Balon Grafiği  - Kaynak Adres</a:t>
+            </a:r>
+            <a:endParaRPr lang="tr-TR" altLang="en-US"/>
+          </a:p>
+        </p:txBody>
+      </p:sp>
+      <p:pic>
+        <p:nvPicPr>
+          <p:cNvPr id="3" name="Picture 2" descr="etkılesımlı_kaynak"/>
+          <p:cNvPicPr>
+            <a:picLocks noChangeAspect="1"/>
+          </p:cNvPicPr>
+          <p:nvPr/>
+        </p:nvPicPr>
+        <p:blipFill>
+          <a:blip r:embed="rId1"/>
+          <a:stretch>
+            <a:fillRect/>
+          </a:stretch>
+        </p:blipFill>
+        <p:spPr>
+          <a:xfrm>
+            <a:off x="3027045" y="1690370"/>
+            <a:ext cx="8558530" cy="4525645"/>
+          </a:xfrm>
+          <a:prstGeom prst="rect">
+            <a:avLst/>
+          </a:prstGeom>
+        </p:spPr>
+      </p:pic>
+      <p:sp>
+        <p:nvSpPr>
+          <p:cNvPr id="5" name="Text Box 4"/>
+          <p:cNvSpPr txBox="1"/>
+          <p:nvPr/>
+        </p:nvSpPr>
+        <p:spPr>
+          <a:xfrm>
+            <a:off x="725805" y="1916430"/>
+            <a:ext cx="2301240" cy="3772535"/>
+          </a:xfrm>
+          <a:prstGeom prst="rect">
+            <a:avLst/>
+          </a:prstGeom>
+          <a:noFill/>
+        </p:spPr>
+        <p:txBody>
+          <a:bodyPr wrap="square" rtlCol="0">
+            <a:noAutofit/>
+          </a:bodyPr>
+          <a:p>
+            <a:r>
+              <a:rPr lang="tr-TR" altLang="en-US"/>
+              <a:t>Balon grafikle </a:t>
+            </a:r>
+            <a:endParaRPr lang="tr-TR" altLang="en-US"/>
+          </a:p>
+          <a:p>
+            <a:r>
+              <a:rPr lang="tr-TR" altLang="en-US"/>
+              <a:t> -Kaynak Adresi</a:t>
+            </a:r>
+            <a:endParaRPr lang="tr-TR" altLang="en-US"/>
+          </a:p>
+          <a:p>
+            <a:r>
+              <a:rPr lang="tr-TR" altLang="en-US"/>
+              <a:t> -Trafiğin gerçekleştiği  dakika</a:t>
+            </a:r>
+            <a:endParaRPr lang="tr-TR" altLang="en-US"/>
+          </a:p>
+          <a:p>
+            <a:r>
+              <a:rPr lang="tr-TR" altLang="en-US"/>
+              <a:t> -Kaç adet aktivite</a:t>
+            </a:r>
+            <a:endParaRPr lang="tr-TR" altLang="en-US"/>
+          </a:p>
+          <a:p>
+            <a:endParaRPr lang="tr-TR" altLang="en-US"/>
+          </a:p>
+          <a:p>
+            <a:r>
+              <a:rPr lang="tr-TR" altLang="en-US"/>
+              <a:t>olduğunu etkileşimli olarak görselleştirdik.</a:t>
+            </a:r>
+            <a:endParaRPr lang="tr-TR" altLang="en-US"/>
+          </a:p>
+          <a:p>
+            <a:endParaRPr lang="tr-TR" altLang="en-US"/>
+          </a:p>
+          <a:p>
+            <a:r>
+              <a:rPr lang="tr-TR" altLang="en-US"/>
+              <a:t>400 sayısı kod içerisinde düzenlenebilecek bir sayıdır</a:t>
+            </a:r>
+            <a:endParaRPr lang="tr-TR" altLang="en-US"/>
+          </a:p>
+        </p:txBody>
+      </p:sp>
+    </p:spTree>
+  </p:cSld>
+  <p:clrMapOvr>
+    <a:masterClrMapping/>
+  </p:clrMapOvr>
+</p:sld>
+</file>
+
+<file path=ppt/slides/slide12.xml><?xml version="1.0" encoding="utf-8"?>
+<p:sld xmlns:a="http://schemas.openxmlformats.org/drawingml/2006/main" xmlns:r="http://schemas.openxmlformats.org/officeDocument/2006/relationships" xmlns:p="http://schemas.openxmlformats.org/presentationml/2006/main">
+  <p:cSld>
+    <p:spTree>
+      <p:nvGrpSpPr>
+        <p:cNvPr id="1" name=""/>
+        <p:cNvGrpSpPr/>
+        <p:nvPr/>
+      </p:nvGrpSpPr>
+      <p:grpSpPr/>
+      <p:sp>
+        <p:nvSpPr>
+          <p:cNvPr id="3" name="Title 2"/>
+          <p:cNvSpPr>
+            <a:spLocks noGrp="1"/>
+          </p:cNvSpPr>
+          <p:nvPr>
+            <p:ph type="title"/>
+          </p:nvPr>
+        </p:nvSpPr>
+        <p:spPr/>
+        <p:txBody>
+          <a:bodyPr/>
+          <a:p>
+            <a:r>
+              <a:rPr lang="tr-TR" altLang="en-US">
+                <a:sym typeface="+mn-ea"/>
+              </a:rPr>
+              <a:t>Etkileşimli Balon Grafiği  - Hedef Adres</a:t>
+            </a:r>
+            <a:endParaRPr lang="en-US"/>
+          </a:p>
+        </p:txBody>
+      </p:sp>
+      <p:pic>
+        <p:nvPicPr>
+          <p:cNvPr id="7" name="Content Placeholder 6" descr="etkılesımlı_dest"/>
+          <p:cNvPicPr>
+            <a:picLocks noChangeAspect="1"/>
+          </p:cNvPicPr>
+          <p:nvPr>
+            <p:ph idx="1"/>
+          </p:nvPr>
+        </p:nvPicPr>
+        <p:blipFill>
+          <a:blip r:embed="rId1"/>
+          <a:stretch>
+            <a:fillRect/>
+          </a:stretch>
+        </p:blipFill>
+        <p:spPr>
+          <a:xfrm>
+            <a:off x="4034790" y="1825625"/>
+            <a:ext cx="7319010" cy="4351655"/>
+          </a:xfrm>
+          <a:prstGeom prst="rect">
+            <a:avLst/>
+          </a:prstGeom>
+        </p:spPr>
+      </p:pic>
+      <p:sp>
+        <p:nvSpPr>
+          <p:cNvPr id="9" name="Text Box 8"/>
+          <p:cNvSpPr txBox="1"/>
+          <p:nvPr/>
+        </p:nvSpPr>
+        <p:spPr>
+          <a:xfrm>
+            <a:off x="838200" y="1826260"/>
+            <a:ext cx="3196590" cy="3728085"/>
+          </a:xfrm>
+          <a:prstGeom prst="rect">
+            <a:avLst/>
+          </a:prstGeom>
+          <a:noFill/>
+        </p:spPr>
+        <p:txBody>
+          <a:bodyPr wrap="square" rtlCol="0">
+            <a:noAutofit/>
+          </a:bodyPr>
+          <a:p>
+            <a:r>
+              <a:rPr lang="tr-TR" altLang="en-US"/>
+              <a:t>Hedef Adres için de aynı şekilde</a:t>
+            </a:r>
+            <a:endParaRPr lang="tr-TR" altLang="en-US"/>
+          </a:p>
+          <a:p>
+            <a:endParaRPr lang="tr-TR" altLang="en-US"/>
+          </a:p>
+          <a:p>
+            <a:r>
+              <a:rPr lang="tr-TR" altLang="en-US"/>
+              <a:t>Balon grafiği ile etkileşimli hedef adrese aıt dakikaya bağlı aktivite analizi.</a:t>
+            </a:r>
+            <a:endParaRPr lang="tr-TR" altLang="en-US"/>
+          </a:p>
+        </p:txBody>
+      </p:sp>
+    </p:spTree>
+  </p:cSld>
+  <p:clrMapOvr>
+    <a:masterClrMapping/>
+  </p:clrMapOvr>
+</p:sld>
+</file>
+
+<file path=ppt/slides/slide13.xml><?xml version="1.0" encoding="utf-8"?>
+<p:sld xmlns:a="http://schemas.openxmlformats.org/drawingml/2006/main" xmlns:r="http://schemas.openxmlformats.org/officeDocument/2006/relationships" xmlns:p="http://schemas.openxmlformats.org/presentationml/2006/main">
+  <p:cSld>
+    <p:spTree>
+      <p:nvGrpSpPr>
+        <p:cNvPr id="1" name=""/>
+        <p:cNvGrpSpPr/>
+        <p:nvPr/>
+      </p:nvGrpSpPr>
+      <p:grpSpPr/>
+      <p:sp>
+        <p:nvSpPr>
+          <p:cNvPr id="2" name="Title 1"/>
+          <p:cNvSpPr>
+            <a:spLocks noGrp="1"/>
+          </p:cNvSpPr>
+          <p:nvPr>
+            <p:ph type="title"/>
+          </p:nvPr>
+        </p:nvSpPr>
+        <p:spPr/>
+        <p:txBody>
+          <a:bodyPr>
+            <a:normAutofit fontScale="90000"/>
+          </a:bodyPr>
+          <a:p>
+            <a:pPr algn="ctr"/>
+            <a:r>
+              <a:rPr lang="tr-TR" altLang="en-US">
+                <a:sym typeface="+mn-ea"/>
+              </a:rPr>
+              <a:t>Etkileşimli Balon Grafiği  </a:t>
+            </a:r>
+            <a:br>
+              <a:rPr lang="tr-TR" altLang="en-US">
+                <a:sym typeface="+mn-ea"/>
+              </a:rPr>
+            </a:br>
+            <a:r>
+              <a:rPr lang="tr-TR" altLang="en-US">
+                <a:sym typeface="+mn-ea"/>
+              </a:rPr>
+              <a:t>Kaynaktan ---&gt;&gt;&gt; Hedefe</a:t>
+            </a:r>
+            <a:endParaRPr lang="en-US"/>
+          </a:p>
+        </p:txBody>
+      </p:sp>
+      <p:pic>
+        <p:nvPicPr>
+          <p:cNvPr id="4" name="Content Placeholder 3" descr="etkılesımlı_kaynak_hedef"/>
+          <p:cNvPicPr>
+            <a:picLocks noChangeAspect="1"/>
+          </p:cNvPicPr>
+          <p:nvPr>
+            <p:ph idx="1"/>
+          </p:nvPr>
+        </p:nvPicPr>
+        <p:blipFill>
+          <a:blip r:embed="rId1"/>
+          <a:stretch>
+            <a:fillRect/>
+          </a:stretch>
+        </p:blipFill>
+        <p:spPr>
+          <a:xfrm>
+            <a:off x="3556000" y="1825625"/>
+            <a:ext cx="7879080" cy="4351655"/>
+          </a:xfrm>
+          <a:prstGeom prst="rect">
+            <a:avLst/>
+          </a:prstGeom>
+        </p:spPr>
+      </p:pic>
+      <p:sp>
+        <p:nvSpPr>
+          <p:cNvPr id="5" name="Text Box 4"/>
+          <p:cNvSpPr txBox="1"/>
+          <p:nvPr/>
+        </p:nvSpPr>
+        <p:spPr>
+          <a:xfrm>
+            <a:off x="967105" y="1960245"/>
+            <a:ext cx="2738120" cy="3532505"/>
+          </a:xfrm>
+          <a:prstGeom prst="rect">
+            <a:avLst/>
+          </a:prstGeom>
+          <a:noFill/>
+        </p:spPr>
+        <p:txBody>
+          <a:bodyPr wrap="square" rtlCol="0">
+            <a:noAutofit/>
+          </a:bodyPr>
+          <a:p>
+            <a:r>
+              <a:rPr lang="tr-TR" altLang="en-US"/>
+              <a:t>Kaynak ve Hedef adres bilgilerini bir arada tutarak</a:t>
+            </a:r>
+            <a:endParaRPr lang="tr-TR" altLang="en-US"/>
+          </a:p>
+          <a:p>
+            <a:r>
+              <a:rPr lang="tr-TR" altLang="en-US"/>
+              <a:t>daha kampsamlı bir analiz.</a:t>
+            </a:r>
+            <a:endParaRPr lang="tr-TR" altLang="en-US"/>
+          </a:p>
+        </p:txBody>
+      </p:sp>
+    </p:spTree>
+  </p:cSld>
+  <p:clrMapOvr>
+    <a:masterClrMapping/>
+  </p:clrMapOvr>
+</p:sld>
+</file>
+
+<file path=ppt/slides/slide14.xml><?xml version="1.0" encoding="utf-8"?>
+<p:sld xmlns:a="http://schemas.openxmlformats.org/drawingml/2006/main" xmlns:r="http://schemas.openxmlformats.org/officeDocument/2006/relationships" xmlns:p="http://schemas.openxmlformats.org/presentationml/2006/main">
+  <p:cSld>
+    <p:spTree>
+      <p:nvGrpSpPr>
+        <p:cNvPr id="1" name=""/>
+        <p:cNvGrpSpPr/>
+        <p:nvPr/>
+      </p:nvGrpSpPr>
+      <p:grpSpPr/>
+      <p:sp>
+        <p:nvSpPr>
+          <p:cNvPr id="2" name="Title 1"/>
+          <p:cNvSpPr>
+            <a:spLocks noGrp="1"/>
+          </p:cNvSpPr>
+          <p:nvPr>
+            <p:ph type="title"/>
+          </p:nvPr>
+        </p:nvSpPr>
+        <p:spPr/>
+        <p:txBody>
+          <a:bodyPr/>
+          <a:p>
+            <a:endParaRPr lang="en-US"/>
+          </a:p>
+        </p:txBody>
+      </p:sp>
+      <p:sp>
+        <p:nvSpPr>
+          <p:cNvPr id="3" name="Content Placeholder 2"/>
+          <p:cNvSpPr>
+            <a:spLocks noGrp="1"/>
+          </p:cNvSpPr>
+          <p:nvPr>
+            <p:ph idx="1"/>
+          </p:nvPr>
+        </p:nvSpPr>
+        <p:spPr/>
+        <p:txBody>
+          <a:bodyPr/>
+          <a:p>
+            <a:endParaRPr lang="en-US"/>
+          </a:p>
+        </p:txBody>
+      </p:sp>
+    </p:spTree>
+  </p:cSld>
+  <p:clrMapOvr>
+    <a:masterClrMapping/>
+  </p:clrMapOvr>
+</p:sld>
+</file>
+
+<file path=ppt/slides/slide15.xml><?xml version="1.0" encoding="utf-8"?>
+<p:sld xmlns:a="http://schemas.openxmlformats.org/drawingml/2006/main" xmlns:r="http://schemas.openxmlformats.org/officeDocument/2006/relationships" xmlns:p="http://schemas.openxmlformats.org/presentationml/2006/main">
+  <p:cSld>
+    <p:spTree>
+      <p:nvGrpSpPr>
+        <p:cNvPr id="1" name=""/>
+        <p:cNvGrpSpPr/>
+        <p:nvPr/>
+      </p:nvGrpSpPr>
+      <p:grpSpPr/>
+      <p:sp>
+        <p:nvSpPr>
+          <p:cNvPr id="2" name="Title 1"/>
+          <p:cNvSpPr>
+            <a:spLocks noGrp="1"/>
+          </p:cNvSpPr>
+          <p:nvPr>
+            <p:ph type="title"/>
+          </p:nvPr>
+        </p:nvSpPr>
+        <p:spPr/>
+        <p:txBody>
+          <a:bodyPr>
+            <a:normAutofit fontScale="90000"/>
+          </a:bodyPr>
+          <a:p>
+            <a:r>
+              <a:rPr lang="tr-TR" altLang="en-US"/>
+              <a:t>Hedef</a:t>
+            </a:r>
+            <a:r>
+              <a:rPr lang="en-US"/>
+              <a:t> Adrese Do</a:t>
+            </a:r>
+            <a:r>
+              <a:rPr lang="tr-TR"/>
+              <a:t>ğru En Yüksek 20 Veri Transferi</a:t>
+            </a:r>
+            <a:endParaRPr lang="tr-TR"/>
+          </a:p>
+        </p:txBody>
+      </p:sp>
+      <p:pic>
+        <p:nvPicPr>
+          <p:cNvPr id="6" name="Content Placeholder 5"/>
+          <p:cNvPicPr>
+            <a:picLocks noChangeAspect="1"/>
+          </p:cNvPicPr>
+          <p:nvPr>
+            <p:ph idx="1"/>
+          </p:nvPr>
+        </p:nvPicPr>
+        <p:blipFill>
+          <a:blip r:embed="rId1"/>
+          <a:stretch>
+            <a:fillRect/>
+          </a:stretch>
+        </p:blipFill>
+        <p:spPr>
+          <a:xfrm>
+            <a:off x="2479675" y="1825625"/>
+            <a:ext cx="6605905" cy="4351655"/>
+          </a:xfrm>
+          <a:prstGeom prst="rect">
+            <a:avLst/>
+          </a:prstGeom>
+        </p:spPr>
+      </p:pic>
+    </p:spTree>
+  </p:cSld>
+  <p:clrMapOvr>
+    <a:masterClrMapping/>
+  </p:clrMapOvr>
+</p:sld>
+</file>
+
+<file path=ppt/slides/slide16.xml><?xml version="1.0" encoding="utf-8"?>
+<p:sld xmlns:a="http://schemas.openxmlformats.org/drawingml/2006/main" xmlns:r="http://schemas.openxmlformats.org/officeDocument/2006/relationships" xmlns:p="http://schemas.openxmlformats.org/presentationml/2006/main">
+  <p:cSld>
+    <p:spTree>
+      <p:nvGrpSpPr>
+        <p:cNvPr id="1" name=""/>
+        <p:cNvGrpSpPr/>
+        <p:nvPr/>
+      </p:nvGrpSpPr>
+      <p:grpSpPr/>
+      <p:sp>
+        <p:nvSpPr>
+          <p:cNvPr id="2" name="Title 1"/>
+          <p:cNvSpPr>
+            <a:spLocks noGrp="1"/>
+          </p:cNvSpPr>
+          <p:nvPr>
+            <p:ph type="title"/>
+          </p:nvPr>
+        </p:nvSpPr>
+        <p:spPr/>
+        <p:txBody>
+          <a:bodyPr>
+            <a:normAutofit fontScale="90000"/>
+          </a:bodyPr>
+          <a:p>
+            <a:pPr algn="ctr"/>
+            <a:r>
+              <a:rPr lang="tr-TR" altLang="en-US"/>
+              <a:t>Kaynak Adrese Doğru En Yüksek 20 Veri Transferi</a:t>
+            </a:r>
+            <a:endParaRPr lang="tr-TR" altLang="en-US"/>
+          </a:p>
+        </p:txBody>
+      </p:sp>
+      <p:pic>
+        <p:nvPicPr>
+          <p:cNvPr id="4" name="Content Placeholder 3"/>
+          <p:cNvPicPr>
+            <a:picLocks noChangeAspect="1"/>
+          </p:cNvPicPr>
+          <p:nvPr>
+            <p:ph idx="1"/>
+          </p:nvPr>
+        </p:nvPicPr>
+        <p:blipFill>
+          <a:blip r:embed="rId1"/>
+          <a:stretch>
+            <a:fillRect/>
+          </a:stretch>
+        </p:blipFill>
+        <p:spPr>
+          <a:xfrm>
+            <a:off x="2329815" y="1691005"/>
+            <a:ext cx="6734810" cy="4486275"/>
+          </a:xfrm>
+          <a:prstGeom prst="rect">
+            <a:avLst/>
+          </a:prstGeom>
+        </p:spPr>
+      </p:pic>
+    </p:spTree>
+  </p:cSld>
+  <p:clrMapOvr>
+    <a:masterClrMapping/>
+  </p:clrMapOvr>
+</p:sld>
+</file>
+
+<file path=ppt/slides/slide17.xml><?xml version="1.0" encoding="utf-8"?>
+<p:sld xmlns:a="http://schemas.openxmlformats.org/drawingml/2006/main" xmlns:r="http://schemas.openxmlformats.org/officeDocument/2006/relationships" xmlns:p="http://schemas.openxmlformats.org/presentationml/2006/main">
+  <p:cSld>
+    <p:spTree>
+      <p:nvGrpSpPr>
+        <p:cNvPr id="1" name=""/>
+        <p:cNvGrpSpPr/>
+        <p:nvPr/>
+      </p:nvGrpSpPr>
+      <p:grpSpPr/>
+      <p:sp>
+        <p:nvSpPr>
+          <p:cNvPr id="2" name="Title 1"/>
+          <p:cNvSpPr>
+            <a:spLocks noGrp="1"/>
+          </p:cNvSpPr>
+          <p:nvPr>
+            <p:ph type="title"/>
+          </p:nvPr>
+        </p:nvSpPr>
+        <p:spPr/>
+        <p:txBody>
+          <a:bodyPr>
+            <a:normAutofit fontScale="90000"/>
+          </a:bodyPr>
+          <a:p>
+            <a:pPr algn="ctr"/>
+            <a:r>
+              <a:rPr lang="en-US"/>
+              <a:t>Kaynak ve Hedef </a:t>
+            </a:r>
+            <a:r>
+              <a:rPr lang="tr-TR" altLang="en-US"/>
+              <a:t>A</a:t>
+            </a:r>
+            <a:r>
+              <a:rPr lang="en-US"/>
+              <a:t>ras</a:t>
+            </a:r>
+            <a:r>
+              <a:rPr lang="tr-TR" altLang="en-US"/>
+              <a:t>ındaki </a:t>
+            </a:r>
+            <a:br>
+              <a:rPr lang="tr-TR" altLang="en-US"/>
+            </a:br>
+            <a:r>
+              <a:rPr lang="tr-TR" altLang="en-US"/>
+              <a:t>Toplam Data Transferi</a:t>
+            </a:r>
+            <a:endParaRPr lang="tr-TR" altLang="en-US"/>
+          </a:p>
+        </p:txBody>
+      </p:sp>
+      <p:pic>
+        <p:nvPicPr>
+          <p:cNvPr id="4" name="Content Placeholder 3"/>
+          <p:cNvPicPr>
+            <a:picLocks noChangeAspect="1"/>
+          </p:cNvPicPr>
+          <p:nvPr>
+            <p:ph idx="1"/>
+          </p:nvPr>
+        </p:nvPicPr>
+        <p:blipFill>
+          <a:blip r:embed="rId1"/>
+          <a:stretch>
+            <a:fillRect/>
+          </a:stretch>
+        </p:blipFill>
+        <p:spPr>
+          <a:xfrm>
+            <a:off x="2407920" y="1825625"/>
+            <a:ext cx="6384925" cy="4351655"/>
+          </a:xfrm>
+          <a:prstGeom prst="rect">
+            <a:avLst/>
+          </a:prstGeom>
+        </p:spPr>
+      </p:pic>
     </p:spTree>
   </p:cSld>
   <p:clrMapOvr>
@@ -3230,16 +4087,69 @@
             </a:r>
             <a:r>
               <a:rPr lang="tr-TR" dirty="0" smtClean="0"/>
-              <a:t>isetimiz 18/03/2024 traihine aiittir.</a:t>
+              <a:t>isetimiz </a:t>
+            </a:r>
+            <a:r>
+              <a:rPr lang="tr-TR" b="1" dirty="0" smtClean="0"/>
+              <a:t>18/03/2024 </a:t>
+            </a:r>
+            <a:r>
+              <a:rPr lang="tr-TR" dirty="0" smtClean="0"/>
+              <a:t>traihine aiittir.</a:t>
             </a:r>
             <a:endParaRPr lang="tr-TR" dirty="0" smtClean="0"/>
           </a:p>
           <a:p>
             <a:r>
               <a:rPr lang="tr-TR" dirty="0" smtClean="0"/>
-              <a:t>Saat 14:07:00 ile 14:34:52 zaman dilimine ait ağ trafiğini içermektedir. </a:t>
-            </a:r>
-            <a:endParaRPr lang="en-US" dirty="0"/>
+              <a:t>Saat </a:t>
+            </a:r>
+            <a:r>
+              <a:rPr lang="tr-TR" b="1" dirty="0" smtClean="0"/>
+              <a:t>14:07:00 ile 14:34:52</a:t>
+            </a:r>
+            <a:r>
+              <a:rPr lang="tr-TR" dirty="0" smtClean="0"/>
+              <a:t> zaman dilimine ait ağ trafiğini içermektedir. </a:t>
+            </a:r>
+            <a:endParaRPr lang="tr-TR" dirty="0" smtClean="0"/>
+          </a:p>
+          <a:p>
+            <a:r>
+              <a:rPr lang="tr-TR" altLang="en-US" dirty="0"/>
+              <a:t>Veride ‘</a:t>
+            </a:r>
+            <a:r>
+              <a:rPr lang="tr-TR" altLang="en-US" b="1" i="1" dirty="0"/>
+              <a:t>event_time’</a:t>
+            </a:r>
+            <a:r>
+              <a:rPr lang="tr-TR" altLang="en-US" dirty="0"/>
+              <a:t> sütunu datetime dönüştürülmüştür.</a:t>
+            </a:r>
+            <a:endParaRPr lang="tr-TR" altLang="en-US" dirty="0"/>
+          </a:p>
+          <a:p>
+            <a:r>
+              <a:rPr lang="tr-TR" altLang="en-US" dirty="0"/>
+              <a:t>event_time verisinden </a:t>
+            </a:r>
+            <a:r>
+              <a:rPr lang="tr-TR" altLang="en-US" b="1" dirty="0"/>
+              <a:t>‘minutes’</a:t>
+            </a:r>
+            <a:r>
+              <a:rPr lang="tr-TR" altLang="en-US" dirty="0"/>
+              <a:t> sütunu oluşurulmuştur.</a:t>
+            </a:r>
+            <a:endParaRPr lang="tr-TR" altLang="en-US" dirty="0"/>
+          </a:p>
+          <a:p>
+            <a:r>
+              <a:rPr lang="tr-TR" altLang="en-US" dirty="0"/>
+              <a:t>Veri ağırlıklı olarak dakika bazlı analiz edilmiştir.</a:t>
+            </a:r>
+            <a:endParaRPr lang="tr-TR" altLang="en-US" dirty="0"/>
           </a:p>
         </p:txBody>
       </p:sp>
@@ -3332,11 +4242,21 @@
           <a:bodyPr/>
           <a:lstStyle/>
           <a:p>
-            <a:r>
-              <a:rPr lang="tr-TR" dirty="0" smtClean="0"/>
-              <a:t>Daha çok içten içe bir ağ trafiği gözlenmektedir.</a:t>
-            </a:r>
-            <a:endParaRPr lang="tr-TR" dirty="0" smtClean="0"/>
+            <a:endParaRPr lang="tr-TR" sz="2000" dirty="0" smtClean="0"/>
+          </a:p>
+          <a:p>
+            <a:endParaRPr lang="tr-TR" sz="2000" dirty="0" smtClean="0"/>
+          </a:p>
+          <a:p>
+            <a:pPr marL="342900" indent="-342900">
+              <a:buFont typeface="Arial" panose="020B0604020202020204" pitchFamily="34" charset="0"/>
+              <a:buChar char="•"/>
+            </a:pPr>
+            <a:r>
+              <a:rPr lang="tr-TR" sz="2000" dirty="0" smtClean="0"/>
+              <a:t>Yoğun olarak içten içe bir ağ trafiği gözlenmektedir.</a:t>
+            </a:r>
+            <a:endParaRPr lang="tr-TR" sz="2000" dirty="0" smtClean="0"/>
           </a:p>
           <a:p>
             <a:endParaRPr lang="tr-TR" dirty="0" smtClean="0"/>
@@ -3413,18 +4333,26 @@
           <a:bodyPr/>
           <a:lstStyle/>
           <a:p>
-            <a:r>
-              <a:rPr lang="tr-TR" dirty="0" smtClean="0"/>
+            <a:pPr marL="285750" indent="-285750">
+              <a:buFont typeface="Arial" panose="020B0604020202020204" pitchFamily="34" charset="0"/>
+              <a:buChar char="•"/>
+            </a:pPr>
+            <a:r>
+              <a:rPr lang="tr-TR" sz="2000" dirty="0" smtClean="0"/>
               <a:t>Ağ trafiği 12’nci dakikadan itibaren yoğunlaşmaya başlamıştır.</a:t>
             </a:r>
-            <a:endParaRPr lang="tr-TR" dirty="0" smtClean="0"/>
-          </a:p>
-          <a:p>
-            <a:r>
-              <a:rPr lang="tr-TR" smtClean="0"/>
+            <a:endParaRPr lang="tr-TR" sz="2000" dirty="0" smtClean="0"/>
+          </a:p>
+          <a:p>
+            <a:pPr marL="285750" indent="-285750">
+              <a:buFont typeface="Arial" panose="020B0604020202020204" pitchFamily="34" charset="0"/>
+              <a:buChar char="•"/>
+            </a:pPr>
+            <a:r>
+              <a:rPr lang="tr-TR" sz="2000" smtClean="0"/>
               <a:t>Aktivite yoğunluğu yaklaşık 17 dakika sürmüştür.</a:t>
             </a:r>
-            <a:endParaRPr lang="en-US" dirty="0"/>
+            <a:endParaRPr lang="en-US" sz="2000" dirty="0"/>
           </a:p>
         </p:txBody>
       </p:sp>
@@ -3474,7 +4402,7 @@
       <p:grpSpPr/>
       <p:sp>
         <p:nvSpPr>
-          <p:cNvPr id="5" name="Title 4"/>
+          <p:cNvPr id="2" name="Title 1"/>
           <p:cNvSpPr>
             <a:spLocks noGrp="1"/>
           </p:cNvSpPr>
@@ -3484,41 +4412,24 @@
         </p:nvSpPr>
         <p:spPr/>
         <p:txBody>
-          <a:bodyPr>
-            <a:normAutofit fontScale="90000"/>
-          </a:bodyPr>
+          <a:bodyPr/>
           <a:p>
             <a:pPr algn="ctr"/>
             <a:r>
-              <a:rPr lang="en-US">
-                <a:sym typeface="+mn-ea"/>
-              </a:rPr>
-              <a:t>‘LOGIN FAILED’ OLAN </a:t>
-            </a:r>
-            <a:br>
-              <a:rPr lang="en-US">
-                <a:sym typeface="+mn-ea"/>
-              </a:rPr>
-            </a:br>
-            <a:r>
-              <a:rPr lang="tr-TR">
-                <a:sym typeface="+mn-ea"/>
-              </a:rPr>
-              <a:t>İLK 10 </a:t>
-            </a:r>
-            <a:r>
-              <a:rPr lang="en-US">
-                <a:sym typeface="+mn-ea"/>
-              </a:rPr>
-              <a:t>KAYNAK  ADRES</a:t>
-            </a:r>
-            <a:endParaRPr lang="en-US"/>
+              <a:rPr lang="en-US"/>
+              <a:t>A</a:t>
+            </a:r>
+            <a:r>
+              <a:rPr lang="tr-TR"/>
+              <a:t>ğ Trafiğinin Çok Yoğun Yaşandığı İlk 20 Veri</a:t>
+            </a:r>
+            <a:endParaRPr lang="tr-TR"/>
           </a:p>
         </p:txBody>
       </p:sp>
       <p:pic>
         <p:nvPicPr>
-          <p:cNvPr id="9" name="Content Placeholder 8" descr="Source_loginfail"/>
+          <p:cNvPr id="4" name="Content Placeholder 3"/>
           <p:cNvPicPr>
             <a:picLocks noChangeAspect="1"/>
           </p:cNvPicPr>
@@ -3534,8 +4445,8 @@
         </p:blipFill>
         <p:spPr>
           <a:xfrm>
-            <a:off x="1712595" y="1995805"/>
-            <a:ext cx="9065895" cy="3674110"/>
+            <a:off x="3977005" y="1825625"/>
+            <a:ext cx="4236720" cy="4351655"/>
           </a:xfrm>
           <a:prstGeom prst="rect">
             <a:avLst/>
@@ -3562,7 +4473,7 @@
       <p:grpSpPr/>
       <p:sp>
         <p:nvSpPr>
-          <p:cNvPr id="5" name="Title 4"/>
+          <p:cNvPr id="4" name="Title 3"/>
           <p:cNvSpPr>
             <a:spLocks noGrp="1"/>
           </p:cNvSpPr>
@@ -3572,58 +4483,81 @@
         </p:nvSpPr>
         <p:spPr/>
         <p:txBody>
-          <a:bodyPr>
-            <a:normAutofit fontScale="90000"/>
-          </a:bodyPr>
+          <a:bodyPr/>
           <a:p>
             <a:pPr algn="ctr"/>
             <a:r>
-              <a:rPr lang="en-US">
-                <a:sym typeface="+mn-ea"/>
-              </a:rPr>
-              <a:t>‘LOGIN FAILED’ OLAN </a:t>
-            </a:r>
-            <a:br>
-              <a:rPr lang="en-US">
-                <a:sym typeface="+mn-ea"/>
-              </a:rPr>
-            </a:br>
-            <a:r>
-              <a:rPr lang="en-US">
-                <a:sym typeface="+mn-ea"/>
-              </a:rPr>
-              <a:t>HEDEF ADRESLER</a:t>
-            </a:r>
-            <a:endParaRPr lang="en-US"/>
-          </a:p>
-        </p:txBody>
-      </p:sp>
-      <p:pic>
-        <p:nvPicPr>
-          <p:cNvPr id="7" name="Content Placeholder 6" descr="Destination_loginfail"/>
-          <p:cNvPicPr>
-            <a:picLocks noChangeAspect="1"/>
-          </p:cNvPicPr>
+              <a:rPr lang="en-US"/>
+              <a:t>BRUTE FORCE SALDIRILARI</a:t>
+            </a:r>
+            <a:endParaRPr lang="en-US"/>
+          </a:p>
+        </p:txBody>
+      </p:sp>
+      <p:sp>
+        <p:nvSpPr>
+          <p:cNvPr id="5" name="Content Placeholder 4"/>
+          <p:cNvSpPr>
+            <a:spLocks noGrp="1"/>
+          </p:cNvSpPr>
           <p:nvPr>
             <p:ph idx="1"/>
           </p:nvPr>
-        </p:nvPicPr>
-        <p:blipFill>
-          <a:blip r:embed="rId1"/>
-          <a:stretch>
-            <a:fillRect/>
-          </a:stretch>
-        </p:blipFill>
-        <p:spPr>
-          <a:xfrm>
-            <a:off x="1483360" y="2091055"/>
-            <a:ext cx="8573770" cy="3978910"/>
-          </a:xfrm>
-          <a:prstGeom prst="rect">
-            <a:avLst/>
-          </a:prstGeom>
-        </p:spPr>
-      </p:pic>
+        </p:nvSpPr>
+        <p:spPr/>
+        <p:txBody>
+          <a:bodyPr/>
+          <a:p>
+            <a:r>
+              <a:rPr lang="tr-TR" altLang="en-US" i="1"/>
+              <a:t>‘</a:t>
+            </a:r>
+            <a:r>
+              <a:rPr lang="en-US" i="1"/>
+              <a:t>Brute force</a:t>
+            </a:r>
+            <a:r>
+              <a:rPr lang="tr-TR" altLang="en-US" i="1"/>
+              <a:t>’</a:t>
+            </a:r>
+            <a:r>
+              <a:rPr lang="en-US"/>
+              <a:t> s</a:t>
+            </a:r>
+            <a:r>
+              <a:rPr lang="tr-TR" altLang="en-US"/>
+              <a:t>aldırıları ‘</a:t>
+            </a:r>
+            <a:r>
+              <a:rPr lang="tr-TR" altLang="en-US" i="1"/>
+              <a:t>tekrar tekrar’</a:t>
+            </a:r>
+            <a:r>
+              <a:rPr lang="tr-TR" altLang="en-US"/>
+              <a:t> denenen ‘</a:t>
+            </a:r>
+            <a:r>
+              <a:rPr lang="tr-TR" altLang="en-US" i="1"/>
+              <a:t>başarısız login’</a:t>
+            </a:r>
+            <a:r>
+              <a:rPr lang="tr-TR" altLang="en-US"/>
+              <a:t> işlemleri ile tesbit edilebilir. </a:t>
+            </a:r>
+            <a:endParaRPr lang="tr-TR" altLang="en-US"/>
+          </a:p>
+          <a:p>
+            <a:endParaRPr lang="tr-TR" altLang="en-US"/>
+          </a:p>
+          <a:p>
+            <a:r>
+              <a:rPr lang="tr-TR" altLang="en-US"/>
+              <a:t>Devam eden 4 Slaytta bu durum analiz edilecektir.</a:t>
+            </a:r>
+            <a:endParaRPr lang="tr-TR" altLang="en-US"/>
+          </a:p>
+        </p:txBody>
+      </p:sp>
     </p:spTree>
   </p:cSld>
   <p:clrMapOvr>
@@ -3644,7 +4578,7 @@
       <p:grpSpPr/>
       <p:sp>
         <p:nvSpPr>
-          <p:cNvPr id="4" name="Title 3"/>
+          <p:cNvPr id="5" name="Title 4"/>
           <p:cNvSpPr>
             <a:spLocks noGrp="1"/>
           </p:cNvSpPr>
@@ -3660,51 +4594,52 @@
           <a:p>
             <a:pPr algn="ctr"/>
             <a:r>
-              <a:rPr lang="en-US"/>
-              <a:t>‘LOGIN FAILED’ OLAN </a:t>
+              <a:rPr lang="en-US">
+                <a:highlight>
+                  <a:srgbClr val="FF0000"/>
+                </a:highlight>
+                <a:sym typeface="+mn-ea"/>
+              </a:rPr>
+              <a:t>‘LOGIN FAILED’</a:t>
+            </a:r>
+            <a:r>
+              <a:rPr lang="en-US">
+                <a:sym typeface="+mn-ea"/>
+              </a:rPr>
+              <a:t> OLAN </a:t>
             </a:r>
             <a:br>
-              <a:rPr lang="en-US"/>
+              <a:rPr lang="en-US">
+                <a:sym typeface="+mn-ea"/>
+              </a:rPr>
             </a:br>
             <a:r>
-              <a:rPr lang="tr-TR" altLang="en-US"/>
-              <a:t>(</a:t>
-            </a:r>
-            <a:r>
-              <a:rPr lang="en-US" i="1" u="sng"/>
-              <a:t>KAYNAK</a:t>
-            </a:r>
-            <a:r>
-              <a:rPr lang="tr-TR" altLang="en-US" i="1" u="sng"/>
-              <a:t>’tan --&gt;&gt;&gt;</a:t>
-            </a:r>
-            <a:r>
-              <a:rPr lang="en-US" i="1" u="sng"/>
-              <a:t> HEDEF</a:t>
-            </a:r>
-            <a:r>
-              <a:rPr lang="tr-TR" altLang="en-US" i="1" u="sng"/>
-              <a:t>’e</a:t>
-            </a:r>
-            <a:r>
-              <a:rPr lang="tr-TR" altLang="en-US"/>
-              <a:t>)</a:t>
-            </a:r>
-            <a:r>
-              <a:rPr lang="en-US"/>
-              <a:t> ADRESLER</a:t>
-            </a:r>
-            <a:endParaRPr lang="en-US"/>
+              <a:rPr lang="en-US">
+                <a:sym typeface="+mn-ea"/>
+              </a:rPr>
+              <a:t>KAYNAK ADRESLERE D</a:t>
+            </a:r>
+            <a:r>
+              <a:rPr lang="tr-TR" altLang="en-US">
+                <a:sym typeface="+mn-ea"/>
+              </a:rPr>
+              <a:t>AİR BİR ANALİZ</a:t>
+            </a:r>
+            <a:endParaRPr lang="tr-TR" altLang="en-US">
+              <a:sym typeface="+mn-ea"/>
+            </a:endParaRPr>
           </a:p>
         </p:txBody>
       </p:sp>
       <p:pic>
         <p:nvPicPr>
-          <p:cNvPr id="10" name="Picture 9" descr="Sour_Dest_loginfail"/>
+          <p:cNvPr id="9" name="Content Placeholder 8" descr="Source_loginfail"/>
           <p:cNvPicPr>
             <a:picLocks noChangeAspect="1"/>
           </p:cNvPicPr>
-          <p:nvPr/>
+          <p:nvPr>
+            <p:ph idx="1"/>
+          </p:nvPr>
         </p:nvPicPr>
         <p:blipFill>
           <a:blip r:embed="rId1"/>
@@ -3714,8 +4649,32 @@
         </p:blipFill>
         <p:spPr>
           <a:xfrm>
-            <a:off x="838200" y="1895475"/>
-            <a:ext cx="9639935" cy="4104640"/>
+            <a:off x="931545" y="1877695"/>
+            <a:ext cx="5164455" cy="3792220"/>
+          </a:xfrm>
+          <a:prstGeom prst="rect">
+            <a:avLst/>
+          </a:prstGeom>
+        </p:spPr>
+      </p:pic>
+      <p:pic>
+        <p:nvPicPr>
+          <p:cNvPr id="7" name="Picture 6"/>
+          <p:cNvPicPr>
+            <a:picLocks noChangeAspect="1"/>
+          </p:cNvPicPr>
+          <p:nvPr/>
+        </p:nvPicPr>
+        <p:blipFill>
+          <a:blip r:embed="rId2"/>
+          <a:stretch>
+            <a:fillRect/>
+          </a:stretch>
+        </p:blipFill>
+        <p:spPr>
+          <a:xfrm>
+            <a:off x="6863080" y="1878330"/>
+            <a:ext cx="4258945" cy="3791585"/>
           </a:xfrm>
           <a:prstGeom prst="rect">
             <a:avLst/>
@@ -3742,7 +4701,7 @@
       <p:grpSpPr/>
       <p:sp>
         <p:nvSpPr>
-          <p:cNvPr id="4" name="Title 3"/>
+          <p:cNvPr id="5" name="Title 4"/>
           <p:cNvSpPr>
             <a:spLocks noGrp="1"/>
           </p:cNvSpPr>
@@ -3758,8 +4717,139 @@
           <a:p>
             <a:pPr algn="ctr"/>
             <a:r>
+              <a:rPr lang="en-US">
+                <a:highlight>
+                  <a:srgbClr val="FF0000"/>
+                </a:highlight>
+                <a:sym typeface="+mn-ea"/>
+              </a:rPr>
+              <a:t>‘LOGIN FAIL’</a:t>
+            </a:r>
+            <a:r>
+              <a:rPr lang="en-US">
+                <a:sym typeface="+mn-ea"/>
+              </a:rPr>
+              <a:t> OLAN </a:t>
+            </a:r>
+            <a:br>
+              <a:rPr lang="en-US">
+                <a:sym typeface="+mn-ea"/>
+              </a:rPr>
+            </a:br>
+            <a:r>
+              <a:rPr lang="en-US">
+                <a:sym typeface="+mn-ea"/>
+              </a:rPr>
+              <a:t>HEDEF ADRESLER</a:t>
+            </a:r>
+            <a:r>
+              <a:rPr lang="tr-TR" altLang="en-US">
+                <a:sym typeface="+mn-ea"/>
+              </a:rPr>
+              <a:t>E DAİR BİR ANALİZ</a:t>
+            </a:r>
+            <a:endParaRPr lang="tr-TR" altLang="en-US">
+              <a:sym typeface="+mn-ea"/>
+            </a:endParaRPr>
+          </a:p>
+        </p:txBody>
+      </p:sp>
+      <p:pic>
+        <p:nvPicPr>
+          <p:cNvPr id="7" name="Content Placeholder 6" descr="Destination_loginfail"/>
+          <p:cNvPicPr>
+            <a:picLocks noChangeAspect="1"/>
+          </p:cNvPicPr>
+          <p:nvPr>
+            <p:ph idx="1"/>
+          </p:nvPr>
+        </p:nvPicPr>
+        <p:blipFill>
+          <a:blip r:embed="rId1"/>
+          <a:stretch>
+            <a:fillRect/>
+          </a:stretch>
+        </p:blipFill>
+        <p:spPr>
+          <a:xfrm>
+            <a:off x="976630" y="1690370"/>
+            <a:ext cx="5334635" cy="4304665"/>
+          </a:xfrm>
+          <a:prstGeom prst="rect">
+            <a:avLst/>
+          </a:prstGeom>
+        </p:spPr>
+      </p:pic>
+      <p:pic>
+        <p:nvPicPr>
+          <p:cNvPr id="2" name="Picture 1"/>
+          <p:cNvPicPr>
+            <a:picLocks noChangeAspect="1"/>
+          </p:cNvPicPr>
+          <p:nvPr/>
+        </p:nvPicPr>
+        <p:blipFill>
+          <a:blip r:embed="rId2"/>
+          <a:stretch>
+            <a:fillRect/>
+          </a:stretch>
+        </p:blipFill>
+        <p:spPr>
+          <a:xfrm>
+            <a:off x="6939280" y="1742440"/>
+            <a:ext cx="4330065" cy="4366260"/>
+          </a:xfrm>
+          <a:prstGeom prst="rect">
+            <a:avLst/>
+          </a:prstGeom>
+        </p:spPr>
+      </p:pic>
+    </p:spTree>
+  </p:cSld>
+  <p:clrMapOvr>
+    <a:masterClrMapping/>
+  </p:clrMapOvr>
+</p:sld>
+</file>
+
+<file path=ppt/slides/slide9.xml><?xml version="1.0" encoding="utf-8"?>
+<p:sld xmlns:a="http://schemas.openxmlformats.org/drawingml/2006/main" xmlns:r="http://schemas.openxmlformats.org/officeDocument/2006/relationships" xmlns:p="http://schemas.openxmlformats.org/presentationml/2006/main">
+  <p:cSld>
+    <p:spTree>
+      <p:nvGrpSpPr>
+        <p:cNvPr id="1" name=""/>
+        <p:cNvGrpSpPr/>
+        <p:nvPr/>
+      </p:nvGrpSpPr>
+      <p:grpSpPr/>
+      <p:sp>
+        <p:nvSpPr>
+          <p:cNvPr id="4" name="Title 3"/>
+          <p:cNvSpPr>
+            <a:spLocks noGrp="1"/>
+          </p:cNvSpPr>
+          <p:nvPr>
+            <p:ph type="title"/>
+          </p:nvPr>
+        </p:nvSpPr>
+        <p:spPr/>
+        <p:txBody>
+          <a:bodyPr>
+            <a:normAutofit fontScale="90000"/>
+          </a:bodyPr>
+          <a:p>
+            <a:pPr algn="ctr"/>
+            <a:r>
+              <a:rPr lang="en-US">
+                <a:highlight>
+                  <a:srgbClr val="FF0000"/>
+                </a:highlight>
+              </a:rPr>
+              <a:t>‘LOGIN FAIL’</a:t>
+            </a:r>
+            <a:r>
               <a:rPr lang="en-US"/>
-              <a:t>‘LOGIN FAILED’ OLAN </a:t>
+              <a:t> OLAN </a:t>
             </a:r>
             <a:br>
               <a:rPr lang="en-US"/>
@@ -3790,22 +4880,15 @@
             </a:r>
             <a:r>
               <a:rPr lang="en-US"/>
-              <a:t> ADRESLER’in</a:t>
-            </a:r>
-            <a:br>
-              <a:rPr lang="en-US"/>
-            </a:br>
-            <a:r>
-              <a:rPr lang="tr-TR"/>
-              <a:t>DAKİKA’ya BAĞLI ANALİZİ</a:t>
-            </a:r>
-            <a:endParaRPr lang="tr-TR"/>
+              <a:t> ADRESLER</a:t>
+            </a:r>
+            <a:endParaRPr lang="en-US"/>
           </a:p>
         </p:txBody>
       </p:sp>
       <p:pic>
         <p:nvPicPr>
-          <p:cNvPr id="5" name="Picture 4" descr="source_dest_login_Fail_byminutes"/>
+          <p:cNvPr id="10" name="Picture 9" descr="Sour_Dest_loginfail"/>
           <p:cNvPicPr>
             <a:picLocks noChangeAspect="1"/>
           </p:cNvPicPr>
@@ -3819,8 +4902,8 @@
         </p:blipFill>
         <p:spPr>
           <a:xfrm>
-            <a:off x="1946910" y="2154555"/>
-            <a:ext cx="7731760" cy="3547110"/>
+            <a:off x="838200" y="1895475"/>
+            <a:ext cx="9639935" cy="4104640"/>
           </a:xfrm>
           <a:prstGeom prst="rect">
             <a:avLst/>

--- a/Portfolio/ML/Classification Models/NextRay/NetworkTraffic.pptx
+++ b/Portfolio/ML/Classification Models/NextRay/NetworkTraffic.pptx
@@ -18,10 +18,9 @@
     <p:sldId id="268" r:id="rId13"/>
     <p:sldId id="269" r:id="rId14"/>
     <p:sldId id="270" r:id="rId15"/>
-    <p:sldId id="275" r:id="rId16"/>
-    <p:sldId id="271" r:id="rId17"/>
-    <p:sldId id="272" r:id="rId18"/>
-    <p:sldId id="273" r:id="rId19"/>
+    <p:sldId id="271" r:id="rId16"/>
+    <p:sldId id="272" r:id="rId17"/>
+    <p:sldId id="273" r:id="rId18"/>
   </p:sldIdLst>
   <p:sldSz cx="12192000" cy="6858000"/>
   <p:notesSz cx="6858000" cy="9144000"/>
@@ -3750,60 +3749,6 @@
         </p:nvSpPr>
         <p:spPr/>
         <p:txBody>
-          <a:bodyPr/>
-          <a:p>
-            <a:endParaRPr lang="en-US"/>
-          </a:p>
-        </p:txBody>
-      </p:sp>
-      <p:sp>
-        <p:nvSpPr>
-          <p:cNvPr id="3" name="Content Placeholder 2"/>
-          <p:cNvSpPr>
-            <a:spLocks noGrp="1"/>
-          </p:cNvSpPr>
-          <p:nvPr>
-            <p:ph idx="1"/>
-          </p:nvPr>
-        </p:nvSpPr>
-        <p:spPr/>
-        <p:txBody>
-          <a:bodyPr/>
-          <a:p>
-            <a:endParaRPr lang="en-US"/>
-          </a:p>
-        </p:txBody>
-      </p:sp>
-    </p:spTree>
-  </p:cSld>
-  <p:clrMapOvr>
-    <a:masterClrMapping/>
-  </p:clrMapOvr>
-</p:sld>
-</file>
-
-<file path=ppt/slides/slide15.xml><?xml version="1.0" encoding="utf-8"?>
-<p:sld xmlns:a="http://schemas.openxmlformats.org/drawingml/2006/main" xmlns:r="http://schemas.openxmlformats.org/officeDocument/2006/relationships" xmlns:p="http://schemas.openxmlformats.org/presentationml/2006/main">
-  <p:cSld>
-    <p:spTree>
-      <p:nvGrpSpPr>
-        <p:cNvPr id="1" name=""/>
-        <p:cNvGrpSpPr/>
-        <p:nvPr/>
-      </p:nvGrpSpPr>
-      <p:grpSpPr/>
-      <p:sp>
-        <p:nvSpPr>
-          <p:cNvPr id="2" name="Title 1"/>
-          <p:cNvSpPr>
-            <a:spLocks noGrp="1"/>
-          </p:cNvSpPr>
-          <p:nvPr>
-            <p:ph type="title"/>
-          </p:nvPr>
-        </p:nvSpPr>
-        <p:spPr/>
-        <p:txBody>
           <a:bodyPr>
             <a:normAutofit fontScale="90000"/>
           </a:bodyPr>
@@ -3858,7 +3803,7 @@
 </p:sld>
 </file>
 
-<file path=ppt/slides/slide16.xml><?xml version="1.0" encoding="utf-8"?>
+<file path=ppt/slides/slide15.xml><?xml version="1.0" encoding="utf-8"?>
 <p:sld xmlns:a="http://schemas.openxmlformats.org/drawingml/2006/main" xmlns:r="http://schemas.openxmlformats.org/officeDocument/2006/relationships" xmlns:p="http://schemas.openxmlformats.org/presentationml/2006/main">
   <p:cSld>
     <p:spTree>
@@ -3927,7 +3872,7 @@
 </p:sld>
 </file>
 
-<file path=ppt/slides/slide17.xml><?xml version="1.0" encoding="utf-8"?>
+<file path=ppt/slides/slide16.xml><?xml version="1.0" encoding="utf-8"?>
 <p:sld xmlns:a="http://schemas.openxmlformats.org/drawingml/2006/main" xmlns:r="http://schemas.openxmlformats.org/officeDocument/2006/relationships" xmlns:p="http://schemas.openxmlformats.org/presentationml/2006/main">
   <p:cSld>
     <p:spTree>
@@ -3973,6 +3918,10 @@
             <a:br>
               <a:rPr lang="tr-TR" altLang="en-US"/>
             </a:br>
+            <a:r>
+              <a:rPr lang="tr-TR" altLang="en-US"/>
+              <a:t> </a:t>
+            </a:r>
             <a:r>
               <a:rPr lang="tr-TR" altLang="en-US"/>
               <a:t>Toplam Data Transferi</a:t>
@@ -4509,40 +4458,70 @@
           <a:bodyPr/>
           <a:p>
             <a:r>
+              <a:rPr lang="tr-TR" altLang="en-US"/>
+              <a:t>‘</a:t>
+            </a:r>
+            <a:r>
+              <a:rPr lang="en-US" altLang="tr-TR"/>
+              <a:t>T</a:t>
+            </a:r>
+            <a:r>
               <a:rPr lang="tr-TR" altLang="en-US" i="1"/>
+              <a:t>ekrar tekrar’</a:t>
+            </a:r>
+            <a:r>
+              <a:rPr lang="tr-TR" altLang="en-US"/>
+              <a:t> denenen </a:t>
+            </a:r>
+            <a:r>
+              <a:rPr lang="tr-TR" altLang="en-US" i="1"/>
+              <a:t>‘L</a:t>
+            </a:r>
+            <a:r>
+              <a:rPr lang="tr-TR" altLang="en-US" i="1"/>
+              <a:t>ogin Fail’</a:t>
+            </a:r>
+            <a:r>
+              <a:rPr lang="tr-TR" altLang="en-US"/>
+              <a:t> işlemleri</a:t>
+            </a:r>
+            <a:r>
+              <a:rPr lang="en-US" altLang="tr-TR"/>
+              <a:t> </a:t>
+            </a:r>
+            <a:r>
+              <a:rPr lang="tr-TR" altLang="en-US" i="1">
+                <a:sym typeface="+mn-ea"/>
+              </a:rPr>
               <a:t>‘</a:t>
             </a:r>
             <a:r>
-              <a:rPr lang="en-US" i="1"/>
+              <a:rPr lang="en-US" i="1">
+                <a:sym typeface="+mn-ea"/>
+              </a:rPr>
               <a:t>Brute force</a:t>
             </a:r>
             <a:r>
-              <a:rPr lang="tr-TR" altLang="en-US" i="1"/>
+              <a:rPr lang="tr-TR" altLang="en-US" i="1">
+                <a:sym typeface="+mn-ea"/>
+              </a:rPr>
               <a:t>’</a:t>
             </a:r>
             <a:r>
-              <a:rPr lang="en-US"/>
+              <a:rPr lang="en-US">
+                <a:sym typeface="+mn-ea"/>
+              </a:rPr>
               <a:t> s</a:t>
             </a:r>
             <a:r>
+              <a:rPr lang="tr-TR" altLang="en-US">
+                <a:sym typeface="+mn-ea"/>
+              </a:rPr>
+              <a:t>aldırıları</a:t>
+            </a:r>
+            <a:r>
               <a:rPr lang="tr-TR" altLang="en-US"/>
-              <a:t>aldırıları ‘</a:t>
-            </a:r>
-            <a:r>
-              <a:rPr lang="tr-TR" altLang="en-US" i="1"/>
-              <a:t>tekrar tekrar’</a:t>
-            </a:r>
-            <a:r>
-              <a:rPr lang="tr-TR" altLang="en-US"/>
-              <a:t> denenen ‘</a:t>
-            </a:r>
-            <a:r>
-              <a:rPr lang="tr-TR" altLang="en-US" i="1"/>
-              <a:t>başarısız login’</a:t>
-            </a:r>
-            <a:r>
-              <a:rPr lang="tr-TR" altLang="en-US"/>
-              <a:t> işlemleri ile tesbit edilebilir. </a:t>
+              <a:t> için önemli bir işarettir.</a:t>
             </a:r>
             <a:endParaRPr lang="tr-TR" altLang="en-US"/>
           </a:p>
